--- a/drumbeat_security/Slides/Presentation_Mars 2017.pptx
+++ b/drumbeat_security/Slides/Presentation_Mars 2017.pptx
@@ -5,7 +5,7 @@
     <p:sldMasterId id="2147483648" r:id="rId1"/>
   </p:sldMasterIdLst>
   <p:notesMasterIdLst>
-    <p:notesMasterId r:id="rId15"/>
+    <p:notesMasterId r:id="rId16"/>
   </p:notesMasterIdLst>
   <p:sldIdLst>
     <p:sldId id="256" r:id="rId2"/>
@@ -18,9 +18,10 @@
     <p:sldId id="282" r:id="rId9"/>
     <p:sldId id="283" r:id="rId10"/>
     <p:sldId id="284" r:id="rId11"/>
-    <p:sldId id="281" r:id="rId12"/>
-    <p:sldId id="274" r:id="rId13"/>
-    <p:sldId id="277" r:id="rId14"/>
+    <p:sldId id="289" r:id="rId12"/>
+    <p:sldId id="281" r:id="rId13"/>
+    <p:sldId id="274" r:id="rId14"/>
+    <p:sldId id="277" r:id="rId15"/>
   </p:sldIdLst>
   <p:sldSz cx="12192000" cy="6858000"/>
   <p:notesSz cx="6858000" cy="9144000"/>
@@ -713,7 +714,7 @@
           <a:p>
             <a:fld id="{CA6985B0-5C83-4CC2-9F32-76E045B6BEA4}" type="slidenum">
               <a:rPr lang="en-US" smtClean="0"/>
-              <a:t>12</a:t>
+              <a:t>13</a:t>
             </a:fld>
             <a:endParaRPr lang="en-US"/>
           </a:p>
@@ -797,7 +798,7 @@
           <a:p>
             <a:fld id="{CA6985B0-5C83-4CC2-9F32-76E045B6BEA4}" type="slidenum">
               <a:rPr lang="en-US" smtClean="0"/>
-              <a:t>13</a:t>
+              <a:t>14</a:t>
             </a:fld>
             <a:endParaRPr lang="en-US"/>
           </a:p>
@@ -4138,6 +4139,60 @@
       </p:grpSpPr>
       <p:pic>
         <p:nvPicPr>
+          <p:cNvPr id="4" name="Picture 3"/>
+          <p:cNvPicPr>
+            <a:picLocks noChangeAspect="1"/>
+          </p:cNvPicPr>
+          <p:nvPr/>
+        </p:nvPicPr>
+        <p:blipFill>
+          <a:blip r:embed="rId2"/>
+          <a:stretch>
+            <a:fillRect/>
+          </a:stretch>
+        </p:blipFill>
+        <p:spPr>
+          <a:xfrm>
+            <a:off x="1743075" y="2105025"/>
+            <a:ext cx="8705850" cy="2647950"/>
+          </a:xfrm>
+          <a:prstGeom prst="rect">
+            <a:avLst/>
+          </a:prstGeom>
+        </p:spPr>
+      </p:pic>
+    </p:spTree>
+    <p:extLst>
+      <p:ext uri="{BB962C8B-B14F-4D97-AF65-F5344CB8AC3E}">
+        <p14:creationId xmlns:p14="http://schemas.microsoft.com/office/powerpoint/2010/main" val="1122611149"/>
+      </p:ext>
+    </p:extLst>
+  </p:cSld>
+  <p:clrMapOvr>
+    <a:masterClrMapping/>
+  </p:clrMapOvr>
+</p:sld>
+</file>
+
+<file path=ppt/slides/slide12.xml><?xml version="1.0" encoding="utf-8"?>
+<p:sld xmlns:a="http://schemas.openxmlformats.org/drawingml/2006/main" xmlns:r="http://schemas.openxmlformats.org/officeDocument/2006/relationships" xmlns:p="http://schemas.openxmlformats.org/presentationml/2006/main">
+  <p:cSld>
+    <p:spTree>
+      <p:nvGrpSpPr>
+        <p:cNvPr id="1" name=""/>
+        <p:cNvGrpSpPr/>
+        <p:nvPr/>
+      </p:nvGrpSpPr>
+      <p:grpSpPr>
+        <a:xfrm>
+          <a:off x="0" y="0"/>
+          <a:ext cx="0" cy="0"/>
+          <a:chOff x="0" y="0"/>
+          <a:chExt cx="0" cy="0"/>
+        </a:xfrm>
+      </p:grpSpPr>
+      <p:pic>
+        <p:nvPicPr>
           <p:cNvPr id="8" name="Picture 7"/>
           <p:cNvPicPr>
             <a:picLocks noChangeAspect="1"/>
@@ -4173,7 +4228,7 @@
 </p:sld>
 </file>
 
-<file path=ppt/slides/slide12.xml><?xml version="1.0" encoding="utf-8"?>
+<file path=ppt/slides/slide13.xml><?xml version="1.0" encoding="utf-8"?>
 <p:sld xmlns:a="http://schemas.openxmlformats.org/drawingml/2006/main" xmlns:r="http://schemas.openxmlformats.org/officeDocument/2006/relationships" xmlns:p="http://schemas.openxmlformats.org/presentationml/2006/main">
   <p:cSld>
     <p:spTree>
@@ -4207,7 +4262,7 @@
           <a:p>
             <a:fld id="{90EBF9F4-0EE0-4931-9E07-649BEBDB1AE0}" type="slidenum">
               <a:rPr lang="en-US" smtClean="0"/>
-              <a:t>12</a:t>
+              <a:t>13</a:t>
             </a:fld>
             <a:endParaRPr lang="en-US"/>
           </a:p>
@@ -4340,7 +4395,7 @@
 </p:sld>
 </file>
 
-<file path=ppt/slides/slide13.xml><?xml version="1.0" encoding="utf-8"?>
+<file path=ppt/slides/slide14.xml><?xml version="1.0" encoding="utf-8"?>
 <p:sld xmlns:a="http://schemas.openxmlformats.org/drawingml/2006/main" xmlns:r="http://schemas.openxmlformats.org/officeDocument/2006/relationships" xmlns:p="http://schemas.openxmlformats.org/presentationml/2006/main">
   <p:cSld>
     <p:spTree>
@@ -4374,7 +4429,7 @@
           <a:p>
             <a:fld id="{90EBF9F4-0EE0-4931-9E07-649BEBDB1AE0}" type="slidenum">
               <a:rPr lang="en-US" smtClean="0"/>
-              <a:t>13</a:t>
+              <a:t>14</a:t>
             </a:fld>
             <a:endParaRPr lang="en-US"/>
           </a:p>

--- a/drumbeat_security/Slides/Presentation_Mars 2017.pptx
+++ b/drumbeat_security/Slides/Presentation_Mars 2017.pptx
@@ -5,23 +5,26 @@
     <p:sldMasterId id="2147483648" r:id="rId1"/>
   </p:sldMasterIdLst>
   <p:notesMasterIdLst>
-    <p:notesMasterId r:id="rId16"/>
+    <p:notesMasterId r:id="rId19"/>
   </p:notesMasterIdLst>
   <p:sldIdLst>
     <p:sldId id="256" r:id="rId2"/>
     <p:sldId id="267" r:id="rId3"/>
     <p:sldId id="286" r:id="rId4"/>
     <p:sldId id="287" r:id="rId5"/>
-    <p:sldId id="279" r:id="rId6"/>
-    <p:sldId id="280" r:id="rId7"/>
-    <p:sldId id="285" r:id="rId8"/>
-    <p:sldId id="282" r:id="rId9"/>
-    <p:sldId id="283" r:id="rId10"/>
-    <p:sldId id="284" r:id="rId11"/>
-    <p:sldId id="289" r:id="rId12"/>
-    <p:sldId id="281" r:id="rId13"/>
-    <p:sldId id="274" r:id="rId14"/>
-    <p:sldId id="277" r:id="rId15"/>
+    <p:sldId id="292" r:id="rId6"/>
+    <p:sldId id="279" r:id="rId7"/>
+    <p:sldId id="280" r:id="rId8"/>
+    <p:sldId id="285" r:id="rId9"/>
+    <p:sldId id="282" r:id="rId10"/>
+    <p:sldId id="283" r:id="rId11"/>
+    <p:sldId id="284" r:id="rId12"/>
+    <p:sldId id="289" r:id="rId13"/>
+    <p:sldId id="281" r:id="rId14"/>
+    <p:sldId id="290" r:id="rId15"/>
+    <p:sldId id="291" r:id="rId16"/>
+    <p:sldId id="274" r:id="rId17"/>
+    <p:sldId id="277" r:id="rId18"/>
   </p:sldIdLst>
   <p:sldSz cx="12192000" cy="6858000"/>
   <p:notesSz cx="6858000" cy="9144000"/>
@@ -714,7 +717,7 @@
           <a:p>
             <a:fld id="{CA6985B0-5C83-4CC2-9F32-76E045B6BEA4}" type="slidenum">
               <a:rPr lang="en-US" smtClean="0"/>
-              <a:t>13</a:t>
+              <a:t>16</a:t>
             </a:fld>
             <a:endParaRPr lang="en-US"/>
           </a:p>
@@ -798,7 +801,7 @@
           <a:p>
             <a:fld id="{CA6985B0-5C83-4CC2-9F32-76E045B6BEA4}" type="slidenum">
               <a:rPr lang="en-US" smtClean="0"/>
-              <a:t>14</a:t>
+              <a:t>17</a:t>
             </a:fld>
             <a:endParaRPr lang="en-US"/>
           </a:p>
@@ -3849,6 +3852,320 @@
       </p:grpSpPr>
       <p:sp>
         <p:nvSpPr>
+          <p:cNvPr id="8" name="Rectangle 7"/>
+          <p:cNvSpPr/>
+          <p:nvPr/>
+        </p:nvSpPr>
+        <p:spPr>
+          <a:xfrm>
+            <a:off x="155713" y="271672"/>
+            <a:ext cx="6096000" cy="4247317"/>
+          </a:xfrm>
+          <a:prstGeom prst="rect">
+            <a:avLst/>
+          </a:prstGeom>
+        </p:spPr>
+        <p:txBody>
+          <a:bodyPr>
+            <a:spAutoFit/>
+          </a:bodyPr>
+          <a:lstStyle/>
+          <a:p>
+            <a:r>
+              <a:rPr lang="fi-FI" dirty="0" err="1"/>
+              <a:t>cert</a:t>
+            </a:r>
+            <a:r>
+              <a:rPr lang="fi-FI" dirty="0"/>
+              <a:t> </a:t>
+            </a:r>
+            <a:r>
+              <a:rPr lang="fi-FI" dirty="0" err="1"/>
+              <a:t>public</a:t>
+            </a:r>
+            <a:r>
+              <a:rPr lang="fi-FI" dirty="0"/>
+              <a:t> exp:65537</a:t>
+            </a:r>
+          </a:p>
+          <a:p>
+            <a:r>
+              <a:rPr lang="fi-FI" dirty="0" err="1"/>
+              <a:t>cert</a:t>
+            </a:r>
+            <a:r>
+              <a:rPr lang="fi-FI" dirty="0"/>
+              <a:t> </a:t>
+            </a:r>
+            <a:r>
+              <a:rPr lang="fi-FI" dirty="0" err="1"/>
+              <a:t>public</a:t>
+            </a:r>
+            <a:r>
+              <a:rPr lang="fi-FI" dirty="0"/>
+              <a:t> </a:t>
+            </a:r>
+            <a:r>
+              <a:rPr lang="fi-FI" dirty="0" err="1"/>
+              <a:t>mod</a:t>
+            </a:r>
+            <a:r>
+              <a:rPr lang="fi-FI" dirty="0"/>
+              <a:t>:</a:t>
+            </a:r>
+          </a:p>
+          <a:p>
+            <a:r>
+              <a:rPr lang="fi-FI" dirty="0"/>
+              <a:t>24011186167571257354622530793640923500460778119344214049852814597359393395205425384626096565183432151670496122792748680262053787291038548066606309353067902661201998524775320969590654111920436651793753940699646105301248424866180659055907914045782009562459969949987446646307196822670259418398894796427183515678097169075280850924980693147054842234364602641411661667329092765433619533566070708054269174331838628590663718433475201645962153182129624384354669996793162237075959268416497083104534193804507758771913331687886898974522734958943311456072458630509955767529020144929034602224663665936356818286777379071164687000961</a:t>
+            </a:r>
+          </a:p>
+        </p:txBody>
+      </p:sp>
+      <p:sp>
+        <p:nvSpPr>
+          <p:cNvPr id="2" name="Rectangle 1"/>
+          <p:cNvSpPr/>
+          <p:nvPr/>
+        </p:nvSpPr>
+        <p:spPr>
+          <a:xfrm>
+            <a:off x="6665844" y="3248873"/>
+            <a:ext cx="5290930" cy="2862322"/>
+          </a:xfrm>
+          <a:prstGeom prst="rect">
+            <a:avLst/>
+          </a:prstGeom>
+        </p:spPr>
+        <p:txBody>
+          <a:bodyPr wrap="square">
+            <a:spAutoFit/>
+          </a:bodyPr>
+          <a:lstStyle/>
+          <a:p>
+            <a:r>
+              <a:rPr lang="fi-FI" dirty="0"/>
+              <a:t>PREFIX </a:t>
+            </a:r>
+            <a:r>
+              <a:rPr lang="fi-FI" dirty="0" err="1"/>
+              <a:t>cert</a:t>
+            </a:r>
+            <a:r>
+              <a:rPr lang="fi-FI" dirty="0"/>
+              <a:t>: &lt;http://www.w3.org/ns/auth/cert#&gt;</a:t>
+            </a:r>
+          </a:p>
+          <a:p>
+            <a:r>
+              <a:rPr lang="fi-FI" dirty="0"/>
+              <a:t>PREFIX </a:t>
+            </a:r>
+            <a:r>
+              <a:rPr lang="fi-FI" dirty="0" err="1"/>
+              <a:t>rsa</a:t>
+            </a:r>
+            <a:r>
+              <a:rPr lang="fi-FI" dirty="0"/>
+              <a:t>: &lt;http://www.w3.org/ns/auth/rsa#&gt;</a:t>
+            </a:r>
+          </a:p>
+          <a:p>
+            <a:r>
+              <a:rPr lang="fi-FI" dirty="0"/>
+              <a:t>SELECT ?m ?e ?</a:t>
+            </a:r>
+            <a:r>
+              <a:rPr lang="fi-FI" dirty="0" err="1"/>
+              <a:t>mod</a:t>
+            </a:r>
+            <a:r>
+              <a:rPr lang="fi-FI" dirty="0"/>
+              <a:t> ?</a:t>
+            </a:r>
+            <a:r>
+              <a:rPr lang="fi-FI" dirty="0" err="1"/>
+              <a:t>exp</a:t>
+            </a:r>
+            <a:r>
+              <a:rPr lang="fi-FI" dirty="0"/>
+              <a:t> FROM &lt;https://jyrkio2.databox.me/profile/card&gt;</a:t>
+            </a:r>
+          </a:p>
+          <a:p>
+            <a:r>
+              <a:rPr lang="fi-FI" dirty="0"/>
+              <a:t>WHERE {  { ?</a:t>
+            </a:r>
+            <a:r>
+              <a:rPr lang="fi-FI" dirty="0" err="1"/>
+              <a:t>key</a:t>
+            </a:r>
+            <a:r>
+              <a:rPr lang="fi-FI" dirty="0"/>
+              <a:t> </a:t>
+            </a:r>
+            <a:r>
+              <a:rPr lang="fi-FI" dirty="0" err="1"/>
+              <a:t>cert:identity</a:t>
+            </a:r>
+            <a:r>
+              <a:rPr lang="fi-FI" dirty="0"/>
+              <a:t> ?</a:t>
+            </a:r>
+            <a:r>
+              <a:rPr lang="fi-FI" dirty="0" err="1"/>
+              <a:t>agent</a:t>
+            </a:r>
+            <a:r>
+              <a:rPr lang="fi-FI" dirty="0"/>
+              <a:t> }  </a:t>
+            </a:r>
+          </a:p>
+          <a:p>
+            <a:r>
+              <a:rPr lang="fi-FI" dirty="0"/>
+              <a:t>	UNION  { ?</a:t>
+            </a:r>
+            <a:r>
+              <a:rPr lang="fi-FI" dirty="0" err="1"/>
+              <a:t>agent</a:t>
+            </a:r>
+            <a:r>
+              <a:rPr lang="fi-FI" dirty="0"/>
+              <a:t> </a:t>
+            </a:r>
+            <a:r>
+              <a:rPr lang="fi-FI" dirty="0" err="1"/>
+              <a:t>cert:key</a:t>
+            </a:r>
+            <a:r>
+              <a:rPr lang="fi-FI" dirty="0"/>
+              <a:t> ?</a:t>
+            </a:r>
+            <a:r>
+              <a:rPr lang="fi-FI" dirty="0" err="1"/>
+              <a:t>key</a:t>
+            </a:r>
+            <a:r>
+              <a:rPr lang="fi-FI" dirty="0"/>
+              <a:t> } </a:t>
+            </a:r>
+          </a:p>
+          <a:p>
+            <a:r>
+              <a:rPr lang="fi-FI" dirty="0"/>
+              <a:t>	 ?</a:t>
+            </a:r>
+            <a:r>
+              <a:rPr lang="fi-FI" dirty="0" err="1"/>
+              <a:t>key</a:t>
+            </a:r>
+            <a:r>
+              <a:rPr lang="fi-FI" dirty="0"/>
+              <a:t> </a:t>
+            </a:r>
+            <a:r>
+              <a:rPr lang="fi-FI" dirty="0" err="1"/>
+              <a:t>cert:modulus</a:t>
+            </a:r>
+            <a:r>
+              <a:rPr lang="fi-FI" dirty="0"/>
+              <a:t> ?m ;       </a:t>
+            </a:r>
+          </a:p>
+          <a:p>
+            <a:r>
+              <a:rPr lang="fi-FI" dirty="0"/>
+              <a:t>		</a:t>
+            </a:r>
+            <a:r>
+              <a:rPr lang="fi-FI" dirty="0" err="1"/>
+              <a:t>cert:exponent</a:t>
+            </a:r>
+            <a:r>
+              <a:rPr lang="fi-FI" dirty="0"/>
+              <a:t> ?e .   </a:t>
+            </a:r>
+          </a:p>
+          <a:p>
+            <a:r>
+              <a:rPr lang="fi-FI" dirty="0"/>
+              <a:t>	OPTIONAL { ?m </a:t>
+            </a:r>
+            <a:r>
+              <a:rPr lang="fi-FI" dirty="0" err="1"/>
+              <a:t>cert:hex</a:t>
+            </a:r>
+            <a:r>
+              <a:rPr lang="fi-FI" dirty="0"/>
+              <a:t> ?</a:t>
+            </a:r>
+            <a:r>
+              <a:rPr lang="fi-FI" dirty="0" err="1"/>
+              <a:t>mod</a:t>
+            </a:r>
+            <a:r>
+              <a:rPr lang="fi-FI" dirty="0"/>
+              <a:t> . }   </a:t>
+            </a:r>
+          </a:p>
+          <a:p>
+            <a:r>
+              <a:rPr lang="fi-FI" dirty="0"/>
+              <a:t>	OPTIONAL { ?e </a:t>
+            </a:r>
+            <a:r>
+              <a:rPr lang="fi-FI" dirty="0" err="1"/>
+              <a:t>cert:decimal</a:t>
+            </a:r>
+            <a:r>
+              <a:rPr lang="fi-FI" dirty="0"/>
+              <a:t> ?</a:t>
+            </a:r>
+            <a:r>
+              <a:rPr lang="fi-FI" dirty="0" err="1"/>
+              <a:t>exp</a:t>
+            </a:r>
+            <a:r>
+              <a:rPr lang="fi-FI" dirty="0"/>
+              <a:t> . }}</a:t>
+            </a:r>
+          </a:p>
+        </p:txBody>
+      </p:sp>
+    </p:spTree>
+    <p:extLst>
+      <p:ext uri="{BB962C8B-B14F-4D97-AF65-F5344CB8AC3E}">
+        <p14:creationId xmlns:p14="http://schemas.microsoft.com/office/powerpoint/2010/main" val="230852291"/>
+      </p:ext>
+    </p:extLst>
+  </p:cSld>
+  <p:clrMapOvr>
+    <a:masterClrMapping/>
+  </p:clrMapOvr>
+</p:sld>
+</file>
+
+<file path=ppt/slides/slide11.xml><?xml version="1.0" encoding="utf-8"?>
+<p:sld xmlns:a="http://schemas.openxmlformats.org/drawingml/2006/main" xmlns:r="http://schemas.openxmlformats.org/officeDocument/2006/relationships" xmlns:p="http://schemas.openxmlformats.org/presentationml/2006/main">
+  <p:cSld>
+    <p:spTree>
+      <p:nvGrpSpPr>
+        <p:cNvPr id="1" name=""/>
+        <p:cNvGrpSpPr/>
+        <p:nvPr/>
+      </p:nvGrpSpPr>
+      <p:grpSpPr>
+        <a:xfrm>
+          <a:off x="0" y="0"/>
+          <a:ext cx="0" cy="0"/>
+          <a:chOff x="0" y="0"/>
+          <a:chExt cx="0" cy="0"/>
+        </a:xfrm>
+      </p:grpSpPr>
+      <p:sp>
+        <p:nvSpPr>
           <p:cNvPr id="3" name="Rectangle 2"/>
           <p:cNvSpPr/>
           <p:nvPr/>
@@ -4120,7 +4437,7 @@
 </p:sld>
 </file>
 
-<file path=ppt/slides/slide11.xml><?xml version="1.0" encoding="utf-8"?>
+<file path=ppt/slides/slide12.xml><?xml version="1.0" encoding="utf-8"?>
 <p:sld xmlns:a="http://schemas.openxmlformats.org/drawingml/2006/main" xmlns:r="http://schemas.openxmlformats.org/officeDocument/2006/relationships" xmlns:p="http://schemas.openxmlformats.org/presentationml/2006/main">
   <p:cSld>
     <p:spTree>
@@ -4153,7 +4470,7 @@
         </p:blipFill>
         <p:spPr>
           <a:xfrm>
-            <a:off x="1743075" y="2105025"/>
+            <a:off x="1114425" y="676275"/>
             <a:ext cx="8705850" cy="2647950"/>
           </a:xfrm>
           <a:prstGeom prst="rect">
@@ -4161,6 +4478,40 @@
           </a:prstGeom>
         </p:spPr>
       </p:pic>
+      <p:sp>
+        <p:nvSpPr>
+          <p:cNvPr id="2" name="Rectangle 1"/>
+          <p:cNvSpPr/>
+          <p:nvPr/>
+        </p:nvSpPr>
+        <p:spPr>
+          <a:xfrm>
+            <a:off x="933449" y="4032588"/>
+            <a:ext cx="8277225" cy="1200329"/>
+          </a:xfrm>
+          <a:prstGeom prst="rect">
+            <a:avLst/>
+          </a:prstGeom>
+        </p:spPr>
+        <p:txBody>
+          <a:bodyPr wrap="square">
+            <a:spAutoFit/>
+          </a:bodyPr>
+          <a:lstStyle/>
+          <a:p>
+            <a:r>
+              <a:rPr lang="en-US" dirty="0">
+                <a:solidFill>
+                  <a:srgbClr val="000000"/>
+                </a:solidFill>
+                <a:latin typeface="Consolas" panose="020B0609020204030204" pitchFamily="49" charset="0"/>
+              </a:rPr>
+              <a:t>rule path: [https://drumbeat.cs.hut.fi/owl/security.ttl#hasProject, https://drumbeat.cs.hut.fi/owl/security.ttl#hasContractor, https://drumbeat.cs.hut.fi/owl/security.ttl#knowsPerson]</a:t>
+            </a:r>
+            <a:endParaRPr lang="fi-FI" dirty="0"/>
+          </a:p>
+        </p:txBody>
+      </p:sp>
     </p:spTree>
     <p:extLst>
       <p:ext uri="{BB962C8B-B14F-4D97-AF65-F5344CB8AC3E}">
@@ -4174,7 +4525,7 @@
 </p:sld>
 </file>
 
-<file path=ppt/slides/slide12.xml><?xml version="1.0" encoding="utf-8"?>
+<file path=ppt/slides/slide13.xml><?xml version="1.0" encoding="utf-8"?>
 <p:sld xmlns:a="http://schemas.openxmlformats.org/drawingml/2006/main" xmlns:r="http://schemas.openxmlformats.org/officeDocument/2006/relationships" xmlns:p="http://schemas.openxmlformats.org/presentationml/2006/main">
   <p:cSld>
     <p:spTree>
@@ -4228,7 +4579,7 @@
 </p:sld>
 </file>
 
-<file path=ppt/slides/slide13.xml><?xml version="1.0" encoding="utf-8"?>
+<file path=ppt/slides/slide14.xml><?xml version="1.0" encoding="utf-8"?>
 <p:sld xmlns:a="http://schemas.openxmlformats.org/drawingml/2006/main" xmlns:r="http://schemas.openxmlformats.org/officeDocument/2006/relationships" xmlns:p="http://schemas.openxmlformats.org/presentationml/2006/main">
   <p:cSld>
     <p:spTree>
@@ -4247,6 +4598,1031 @@
       </p:grpSpPr>
       <p:sp>
         <p:nvSpPr>
+          <p:cNvPr id="2" name="Rectangle 1"/>
+          <p:cNvSpPr/>
+          <p:nvPr/>
+        </p:nvSpPr>
+        <p:spPr>
+          <a:xfrm>
+            <a:off x="3048000" y="612845"/>
+            <a:ext cx="6096000" cy="5632311"/>
+          </a:xfrm>
+          <a:prstGeom prst="rect">
+            <a:avLst/>
+          </a:prstGeom>
+        </p:spPr>
+        <p:txBody>
+          <a:bodyPr>
+            <a:spAutoFit/>
+          </a:bodyPr>
+          <a:lstStyle/>
+          <a:p>
+            <a:r>
+              <a:rPr lang="fi-FI" dirty="0">
+                <a:solidFill>
+                  <a:srgbClr val="000000"/>
+                </a:solidFill>
+                <a:latin typeface="Consolas" panose="020B0609020204030204" pitchFamily="49" charset="0"/>
+              </a:rPr>
+              <a:t> </a:t>
+            </a:r>
+            <a:r>
+              <a:rPr lang="fi-FI" dirty="0">
+                <a:solidFill>
+                  <a:srgbClr val="008080"/>
+                </a:solidFill>
+                <a:latin typeface="Consolas" panose="020B0609020204030204" pitchFamily="49" charset="0"/>
+              </a:rPr>
+              <a:t>&lt;</a:t>
+            </a:r>
+            <a:r>
+              <a:rPr lang="fi-FI" dirty="0" err="1">
+                <a:solidFill>
+                  <a:srgbClr val="3F7F7F"/>
+                </a:solidFill>
+                <a:latin typeface="Consolas" panose="020B0609020204030204" pitchFamily="49" charset="0"/>
+              </a:rPr>
+              <a:t>security-constraint</a:t>
+            </a:r>
+            <a:r>
+              <a:rPr lang="fi-FI" dirty="0">
+                <a:solidFill>
+                  <a:srgbClr val="008080"/>
+                </a:solidFill>
+                <a:latin typeface="Consolas" panose="020B0609020204030204" pitchFamily="49" charset="0"/>
+              </a:rPr>
+              <a:t>&gt;</a:t>
+            </a:r>
+          </a:p>
+          <a:p>
+            <a:r>
+              <a:rPr lang="fi-FI" dirty="0">
+                <a:solidFill>
+                  <a:srgbClr val="000000"/>
+                </a:solidFill>
+                <a:latin typeface="Consolas" panose="020B0609020204030204" pitchFamily="49" charset="0"/>
+              </a:rPr>
+              <a:t>    </a:t>
+            </a:r>
+            <a:r>
+              <a:rPr lang="fi-FI" dirty="0">
+                <a:solidFill>
+                  <a:srgbClr val="008080"/>
+                </a:solidFill>
+                <a:latin typeface="Consolas" panose="020B0609020204030204" pitchFamily="49" charset="0"/>
+              </a:rPr>
+              <a:t>&lt;</a:t>
+            </a:r>
+            <a:r>
+              <a:rPr lang="fi-FI" dirty="0" err="1">
+                <a:solidFill>
+                  <a:srgbClr val="3F7F7F"/>
+                </a:solidFill>
+                <a:latin typeface="Consolas" panose="020B0609020204030204" pitchFamily="49" charset="0"/>
+              </a:rPr>
+              <a:t>web-resource-collection</a:t>
+            </a:r>
+            <a:r>
+              <a:rPr lang="fi-FI" dirty="0">
+                <a:solidFill>
+                  <a:srgbClr val="008080"/>
+                </a:solidFill>
+                <a:latin typeface="Consolas" panose="020B0609020204030204" pitchFamily="49" charset="0"/>
+              </a:rPr>
+              <a:t>&gt;</a:t>
+            </a:r>
+          </a:p>
+          <a:p>
+            <a:r>
+              <a:rPr lang="fi-FI" dirty="0">
+                <a:solidFill>
+                  <a:srgbClr val="000000"/>
+                </a:solidFill>
+                <a:latin typeface="Consolas" panose="020B0609020204030204" pitchFamily="49" charset="0"/>
+              </a:rPr>
+              <a:t>      </a:t>
+            </a:r>
+            <a:r>
+              <a:rPr lang="fi-FI" dirty="0">
+                <a:solidFill>
+                  <a:srgbClr val="008080"/>
+                </a:solidFill>
+                <a:latin typeface="Consolas" panose="020B0609020204030204" pitchFamily="49" charset="0"/>
+              </a:rPr>
+              <a:t>&lt;</a:t>
+            </a:r>
+            <a:r>
+              <a:rPr lang="fi-FI" dirty="0" err="1">
+                <a:solidFill>
+                  <a:srgbClr val="3F7F7F"/>
+                </a:solidFill>
+                <a:latin typeface="Consolas" panose="020B0609020204030204" pitchFamily="49" charset="0"/>
+              </a:rPr>
+              <a:t>web-resource-name</a:t>
+            </a:r>
+            <a:r>
+              <a:rPr lang="fi-FI" dirty="0">
+                <a:solidFill>
+                  <a:srgbClr val="008080"/>
+                </a:solidFill>
+                <a:latin typeface="Consolas" panose="020B0609020204030204" pitchFamily="49" charset="0"/>
+              </a:rPr>
+              <a:t>&gt;</a:t>
+            </a:r>
+            <a:r>
+              <a:rPr lang="fi-FI" dirty="0" err="1">
+                <a:solidFill>
+                  <a:srgbClr val="000000"/>
+                </a:solidFill>
+                <a:latin typeface="Consolas" panose="020B0609020204030204" pitchFamily="49" charset="0"/>
+              </a:rPr>
+              <a:t>all</a:t>
+            </a:r>
+            <a:r>
+              <a:rPr lang="fi-FI" dirty="0">
+                <a:solidFill>
+                  <a:srgbClr val="008080"/>
+                </a:solidFill>
+                <a:latin typeface="Consolas" panose="020B0609020204030204" pitchFamily="49" charset="0"/>
+              </a:rPr>
+              <a:t>&lt;/</a:t>
+            </a:r>
+            <a:r>
+              <a:rPr lang="fi-FI" dirty="0" err="1">
+                <a:solidFill>
+                  <a:srgbClr val="3F7F7F"/>
+                </a:solidFill>
+                <a:latin typeface="Consolas" panose="020B0609020204030204" pitchFamily="49" charset="0"/>
+              </a:rPr>
+              <a:t>web-resource-name</a:t>
+            </a:r>
+            <a:r>
+              <a:rPr lang="fi-FI" dirty="0">
+                <a:solidFill>
+                  <a:srgbClr val="008080"/>
+                </a:solidFill>
+                <a:latin typeface="Consolas" panose="020B0609020204030204" pitchFamily="49" charset="0"/>
+              </a:rPr>
+              <a:t>&gt;</a:t>
+            </a:r>
+          </a:p>
+          <a:p>
+            <a:r>
+              <a:rPr lang="fi-FI" dirty="0">
+                <a:solidFill>
+                  <a:srgbClr val="000000"/>
+                </a:solidFill>
+                <a:latin typeface="Consolas" panose="020B0609020204030204" pitchFamily="49" charset="0"/>
+              </a:rPr>
+              <a:t>      </a:t>
+            </a:r>
+            <a:r>
+              <a:rPr lang="fi-FI" dirty="0">
+                <a:solidFill>
+                  <a:srgbClr val="008080"/>
+                </a:solidFill>
+                <a:latin typeface="Consolas" panose="020B0609020204030204" pitchFamily="49" charset="0"/>
+              </a:rPr>
+              <a:t>&lt;</a:t>
+            </a:r>
+            <a:r>
+              <a:rPr lang="fi-FI" dirty="0" err="1">
+                <a:solidFill>
+                  <a:srgbClr val="3F7F7F"/>
+                </a:solidFill>
+                <a:latin typeface="Consolas" panose="020B0609020204030204" pitchFamily="49" charset="0"/>
+              </a:rPr>
+              <a:t>url-pattern</a:t>
+            </a:r>
+            <a:r>
+              <a:rPr lang="fi-FI" dirty="0">
+                <a:solidFill>
+                  <a:srgbClr val="008080"/>
+                </a:solidFill>
+                <a:latin typeface="Consolas" panose="020B0609020204030204" pitchFamily="49" charset="0"/>
+              </a:rPr>
+              <a:t>&gt;</a:t>
+            </a:r>
+            <a:r>
+              <a:rPr lang="fi-FI" dirty="0">
+                <a:solidFill>
+                  <a:srgbClr val="000000"/>
+                </a:solidFill>
+                <a:latin typeface="Consolas" panose="020B0609020204030204" pitchFamily="49" charset="0"/>
+              </a:rPr>
+              <a:t>/*</a:t>
+            </a:r>
+            <a:r>
+              <a:rPr lang="fi-FI" dirty="0">
+                <a:solidFill>
+                  <a:srgbClr val="008080"/>
+                </a:solidFill>
+                <a:latin typeface="Consolas" panose="020B0609020204030204" pitchFamily="49" charset="0"/>
+              </a:rPr>
+              <a:t>&lt;/</a:t>
+            </a:r>
+            <a:r>
+              <a:rPr lang="fi-FI" dirty="0" err="1">
+                <a:solidFill>
+                  <a:srgbClr val="3F7F7F"/>
+                </a:solidFill>
+                <a:latin typeface="Consolas" panose="020B0609020204030204" pitchFamily="49" charset="0"/>
+              </a:rPr>
+              <a:t>url-pattern</a:t>
+            </a:r>
+            <a:r>
+              <a:rPr lang="fi-FI" dirty="0">
+                <a:solidFill>
+                  <a:srgbClr val="008080"/>
+                </a:solidFill>
+                <a:latin typeface="Consolas" panose="020B0609020204030204" pitchFamily="49" charset="0"/>
+              </a:rPr>
+              <a:t>&gt;</a:t>
+            </a:r>
+          </a:p>
+          <a:p>
+            <a:r>
+              <a:rPr lang="fi-FI" dirty="0">
+                <a:solidFill>
+                  <a:srgbClr val="000000"/>
+                </a:solidFill>
+                <a:latin typeface="Consolas" panose="020B0609020204030204" pitchFamily="49" charset="0"/>
+              </a:rPr>
+              <a:t>    </a:t>
+            </a:r>
+            <a:r>
+              <a:rPr lang="fi-FI" dirty="0">
+                <a:solidFill>
+                  <a:srgbClr val="008080"/>
+                </a:solidFill>
+                <a:latin typeface="Consolas" panose="020B0609020204030204" pitchFamily="49" charset="0"/>
+              </a:rPr>
+              <a:t>&lt;/</a:t>
+            </a:r>
+            <a:r>
+              <a:rPr lang="fi-FI" dirty="0" err="1">
+                <a:solidFill>
+                  <a:srgbClr val="3F7F7F"/>
+                </a:solidFill>
+                <a:latin typeface="Consolas" panose="020B0609020204030204" pitchFamily="49" charset="0"/>
+              </a:rPr>
+              <a:t>web-resource-collection</a:t>
+            </a:r>
+            <a:r>
+              <a:rPr lang="fi-FI" dirty="0">
+                <a:solidFill>
+                  <a:srgbClr val="008080"/>
+                </a:solidFill>
+                <a:latin typeface="Consolas" panose="020B0609020204030204" pitchFamily="49" charset="0"/>
+              </a:rPr>
+              <a:t>&gt;</a:t>
+            </a:r>
+          </a:p>
+          <a:p>
+            <a:r>
+              <a:rPr lang="fi-FI" dirty="0">
+                <a:solidFill>
+                  <a:srgbClr val="000000"/>
+                </a:solidFill>
+                <a:latin typeface="Consolas" panose="020B0609020204030204" pitchFamily="49" charset="0"/>
+              </a:rPr>
+              <a:t>     </a:t>
+            </a:r>
+            <a:r>
+              <a:rPr lang="fi-FI" dirty="0">
+                <a:solidFill>
+                  <a:srgbClr val="008080"/>
+                </a:solidFill>
+                <a:latin typeface="Consolas" panose="020B0609020204030204" pitchFamily="49" charset="0"/>
+              </a:rPr>
+              <a:t>&lt;</a:t>
+            </a:r>
+            <a:r>
+              <a:rPr lang="fi-FI" dirty="0" err="1">
+                <a:solidFill>
+                  <a:srgbClr val="3F7F7F"/>
+                </a:solidFill>
+                <a:latin typeface="Consolas" panose="020B0609020204030204" pitchFamily="49" charset="0"/>
+              </a:rPr>
+              <a:t>auth-constraint</a:t>
+            </a:r>
+            <a:r>
+              <a:rPr lang="fi-FI" dirty="0">
+                <a:solidFill>
+                  <a:srgbClr val="008080"/>
+                </a:solidFill>
+                <a:latin typeface="Consolas" panose="020B0609020204030204" pitchFamily="49" charset="0"/>
+              </a:rPr>
+              <a:t>&gt;</a:t>
+            </a:r>
+          </a:p>
+          <a:p>
+            <a:r>
+              <a:rPr lang="fi-FI" dirty="0">
+                <a:solidFill>
+                  <a:srgbClr val="008080"/>
+                </a:solidFill>
+                <a:latin typeface="Consolas" panose="020B0609020204030204" pitchFamily="49" charset="0"/>
+              </a:rPr>
+              <a:t>&lt;</a:t>
+            </a:r>
+            <a:r>
+              <a:rPr lang="fi-FI" dirty="0" err="1">
+                <a:solidFill>
+                  <a:srgbClr val="3F7F7F"/>
+                </a:solidFill>
+                <a:latin typeface="Consolas" panose="020B0609020204030204" pitchFamily="49" charset="0"/>
+              </a:rPr>
+              <a:t>role-name</a:t>
+            </a:r>
+            <a:r>
+              <a:rPr lang="fi-FI" dirty="0">
+                <a:solidFill>
+                  <a:srgbClr val="008080"/>
+                </a:solidFill>
+                <a:latin typeface="Consolas" panose="020B0609020204030204" pitchFamily="49" charset="0"/>
+              </a:rPr>
+              <a:t>&gt;</a:t>
+            </a:r>
+            <a:r>
+              <a:rPr lang="fi-FI" dirty="0" err="1">
+                <a:solidFill>
+                  <a:srgbClr val="000000"/>
+                </a:solidFill>
+                <a:latin typeface="Consolas" panose="020B0609020204030204" pitchFamily="49" charset="0"/>
+              </a:rPr>
+              <a:t>default</a:t>
+            </a:r>
+            <a:r>
+              <a:rPr lang="fi-FI" dirty="0">
+                <a:solidFill>
+                  <a:srgbClr val="008080"/>
+                </a:solidFill>
+                <a:latin typeface="Consolas" panose="020B0609020204030204" pitchFamily="49" charset="0"/>
+              </a:rPr>
+              <a:t>&lt;/</a:t>
+            </a:r>
+            <a:r>
+              <a:rPr lang="fi-FI" dirty="0" err="1">
+                <a:solidFill>
+                  <a:srgbClr val="3F7F7F"/>
+                </a:solidFill>
+                <a:latin typeface="Consolas" panose="020B0609020204030204" pitchFamily="49" charset="0"/>
+              </a:rPr>
+              <a:t>role-name</a:t>
+            </a:r>
+            <a:r>
+              <a:rPr lang="fi-FI" dirty="0">
+                <a:solidFill>
+                  <a:srgbClr val="008080"/>
+                </a:solidFill>
+                <a:latin typeface="Consolas" panose="020B0609020204030204" pitchFamily="49" charset="0"/>
+              </a:rPr>
+              <a:t>&gt;</a:t>
+            </a:r>
+          </a:p>
+          <a:p>
+            <a:r>
+              <a:rPr lang="fi-FI" dirty="0">
+                <a:solidFill>
+                  <a:srgbClr val="008080"/>
+                </a:solidFill>
+                <a:latin typeface="Consolas" panose="020B0609020204030204" pitchFamily="49" charset="0"/>
+              </a:rPr>
+              <a:t>&lt;/</a:t>
+            </a:r>
+            <a:r>
+              <a:rPr lang="fi-FI" dirty="0" err="1">
+                <a:solidFill>
+                  <a:srgbClr val="3F7F7F"/>
+                </a:solidFill>
+                <a:latin typeface="Consolas" panose="020B0609020204030204" pitchFamily="49" charset="0"/>
+              </a:rPr>
+              <a:t>auth-constraint</a:t>
+            </a:r>
+            <a:r>
+              <a:rPr lang="fi-FI" dirty="0">
+                <a:solidFill>
+                  <a:srgbClr val="008080"/>
+                </a:solidFill>
+                <a:latin typeface="Consolas" panose="020B0609020204030204" pitchFamily="49" charset="0"/>
+              </a:rPr>
+              <a:t>&gt;</a:t>
+            </a:r>
+          </a:p>
+          <a:p>
+            <a:r>
+              <a:rPr lang="fi-FI" dirty="0">
+                <a:solidFill>
+                  <a:srgbClr val="000000"/>
+                </a:solidFill>
+                <a:latin typeface="Consolas" panose="020B0609020204030204" pitchFamily="49" charset="0"/>
+              </a:rPr>
+              <a:t>  </a:t>
+            </a:r>
+            <a:r>
+              <a:rPr lang="fi-FI" dirty="0">
+                <a:solidFill>
+                  <a:srgbClr val="008080"/>
+                </a:solidFill>
+                <a:latin typeface="Consolas" panose="020B0609020204030204" pitchFamily="49" charset="0"/>
+              </a:rPr>
+              <a:t>&lt;/</a:t>
+            </a:r>
+            <a:r>
+              <a:rPr lang="fi-FI" dirty="0" err="1">
+                <a:solidFill>
+                  <a:srgbClr val="3F7F7F"/>
+                </a:solidFill>
+                <a:latin typeface="Consolas" panose="020B0609020204030204" pitchFamily="49" charset="0"/>
+              </a:rPr>
+              <a:t>security-constraint</a:t>
+            </a:r>
+            <a:r>
+              <a:rPr lang="fi-FI" dirty="0">
+                <a:solidFill>
+                  <a:srgbClr val="008080"/>
+                </a:solidFill>
+                <a:latin typeface="Consolas" panose="020B0609020204030204" pitchFamily="49" charset="0"/>
+              </a:rPr>
+              <a:t>&gt;</a:t>
+            </a:r>
+          </a:p>
+          <a:p>
+            <a:r>
+              <a:rPr lang="fi-FI" dirty="0">
+                <a:solidFill>
+                  <a:srgbClr val="000000"/>
+                </a:solidFill>
+                <a:latin typeface="Consolas" panose="020B0609020204030204" pitchFamily="49" charset="0"/>
+              </a:rPr>
+              <a:t>  </a:t>
+            </a:r>
+            <a:r>
+              <a:rPr lang="fi-FI" dirty="0">
+                <a:solidFill>
+                  <a:srgbClr val="008080"/>
+                </a:solidFill>
+                <a:latin typeface="Consolas" panose="020B0609020204030204" pitchFamily="49" charset="0"/>
+              </a:rPr>
+              <a:t>&lt;</a:t>
+            </a:r>
+            <a:r>
+              <a:rPr lang="fi-FI" dirty="0" err="1">
+                <a:solidFill>
+                  <a:srgbClr val="3F7F7F"/>
+                </a:solidFill>
+                <a:latin typeface="Consolas" panose="020B0609020204030204" pitchFamily="49" charset="0"/>
+              </a:rPr>
+              <a:t>login-config</a:t>
+            </a:r>
+            <a:r>
+              <a:rPr lang="fi-FI" dirty="0">
+                <a:solidFill>
+                  <a:srgbClr val="008080"/>
+                </a:solidFill>
+                <a:latin typeface="Consolas" panose="020B0609020204030204" pitchFamily="49" charset="0"/>
+              </a:rPr>
+              <a:t>&gt;</a:t>
+            </a:r>
+          </a:p>
+          <a:p>
+            <a:r>
+              <a:rPr lang="fi-FI" dirty="0">
+                <a:solidFill>
+                  <a:srgbClr val="000000"/>
+                </a:solidFill>
+                <a:latin typeface="Consolas" panose="020B0609020204030204" pitchFamily="49" charset="0"/>
+              </a:rPr>
+              <a:t>    </a:t>
+            </a:r>
+            <a:r>
+              <a:rPr lang="fi-FI" dirty="0">
+                <a:solidFill>
+                  <a:srgbClr val="008080"/>
+                </a:solidFill>
+                <a:latin typeface="Consolas" panose="020B0609020204030204" pitchFamily="49" charset="0"/>
+              </a:rPr>
+              <a:t>&lt;</a:t>
+            </a:r>
+            <a:r>
+              <a:rPr lang="fi-FI" dirty="0" err="1">
+                <a:solidFill>
+                  <a:srgbClr val="3F7F7F"/>
+                </a:solidFill>
+                <a:latin typeface="Consolas" panose="020B0609020204030204" pitchFamily="49" charset="0"/>
+              </a:rPr>
+              <a:t>auth-method</a:t>
+            </a:r>
+            <a:r>
+              <a:rPr lang="fi-FI" dirty="0">
+                <a:solidFill>
+                  <a:srgbClr val="008080"/>
+                </a:solidFill>
+                <a:latin typeface="Consolas" panose="020B0609020204030204" pitchFamily="49" charset="0"/>
+              </a:rPr>
+              <a:t>&gt;</a:t>
+            </a:r>
+            <a:r>
+              <a:rPr lang="fi-FI" dirty="0">
+                <a:solidFill>
+                  <a:srgbClr val="000000"/>
+                </a:solidFill>
+                <a:latin typeface="Consolas" panose="020B0609020204030204" pitchFamily="49" charset="0"/>
+              </a:rPr>
+              <a:t>DRUMBEAT_AUTHENTICATION</a:t>
+            </a:r>
+            <a:r>
+              <a:rPr lang="fi-FI" dirty="0">
+                <a:solidFill>
+                  <a:srgbClr val="008080"/>
+                </a:solidFill>
+                <a:latin typeface="Consolas" panose="020B0609020204030204" pitchFamily="49" charset="0"/>
+              </a:rPr>
+              <a:t>&lt;/</a:t>
+            </a:r>
+            <a:r>
+              <a:rPr lang="fi-FI" dirty="0" err="1">
+                <a:solidFill>
+                  <a:srgbClr val="3F7F7F"/>
+                </a:solidFill>
+                <a:latin typeface="Consolas" panose="020B0609020204030204" pitchFamily="49" charset="0"/>
+              </a:rPr>
+              <a:t>auth-method</a:t>
+            </a:r>
+            <a:r>
+              <a:rPr lang="fi-FI" dirty="0">
+                <a:solidFill>
+                  <a:srgbClr val="008080"/>
+                </a:solidFill>
+                <a:latin typeface="Consolas" panose="020B0609020204030204" pitchFamily="49" charset="0"/>
+              </a:rPr>
+              <a:t>&gt;</a:t>
+            </a:r>
+          </a:p>
+          <a:p>
+            <a:r>
+              <a:rPr lang="fi-FI" dirty="0">
+                <a:solidFill>
+                  <a:srgbClr val="000000"/>
+                </a:solidFill>
+                <a:latin typeface="Consolas" panose="020B0609020204030204" pitchFamily="49" charset="0"/>
+              </a:rPr>
+              <a:t>  </a:t>
+            </a:r>
+            <a:r>
+              <a:rPr lang="fi-FI" dirty="0">
+                <a:solidFill>
+                  <a:srgbClr val="008080"/>
+                </a:solidFill>
+                <a:latin typeface="Consolas" panose="020B0609020204030204" pitchFamily="49" charset="0"/>
+              </a:rPr>
+              <a:t>&lt;/</a:t>
+            </a:r>
+            <a:r>
+              <a:rPr lang="fi-FI" dirty="0" err="1">
+                <a:solidFill>
+                  <a:srgbClr val="3F7F7F"/>
+                </a:solidFill>
+                <a:latin typeface="Consolas" panose="020B0609020204030204" pitchFamily="49" charset="0"/>
+              </a:rPr>
+              <a:t>login-config</a:t>
+            </a:r>
+            <a:r>
+              <a:rPr lang="fi-FI" dirty="0">
+                <a:solidFill>
+                  <a:srgbClr val="008080"/>
+                </a:solidFill>
+                <a:latin typeface="Consolas" panose="020B0609020204030204" pitchFamily="49" charset="0"/>
+              </a:rPr>
+              <a:t>&gt;</a:t>
+            </a:r>
+          </a:p>
+          <a:p>
+            <a:r>
+              <a:rPr lang="fi-FI" dirty="0">
+                <a:solidFill>
+                  <a:srgbClr val="000000"/>
+                </a:solidFill>
+                <a:latin typeface="Consolas" panose="020B0609020204030204" pitchFamily="49" charset="0"/>
+              </a:rPr>
+              <a:t>  </a:t>
+            </a:r>
+            <a:r>
+              <a:rPr lang="fi-FI" dirty="0">
+                <a:solidFill>
+                  <a:srgbClr val="008080"/>
+                </a:solidFill>
+                <a:latin typeface="Consolas" panose="020B0609020204030204" pitchFamily="49" charset="0"/>
+              </a:rPr>
+              <a:t>&lt;</a:t>
+            </a:r>
+            <a:r>
+              <a:rPr lang="fi-FI" dirty="0">
+                <a:solidFill>
+                  <a:srgbClr val="3F7F7F"/>
+                </a:solidFill>
+                <a:latin typeface="Consolas" panose="020B0609020204030204" pitchFamily="49" charset="0"/>
+              </a:rPr>
+              <a:t>session-</a:t>
+            </a:r>
+            <a:r>
+              <a:rPr lang="fi-FI" dirty="0" err="1">
+                <a:solidFill>
+                  <a:srgbClr val="3F7F7F"/>
+                </a:solidFill>
+                <a:latin typeface="Consolas" panose="020B0609020204030204" pitchFamily="49" charset="0"/>
+              </a:rPr>
+              <a:t>config</a:t>
+            </a:r>
+            <a:r>
+              <a:rPr lang="fi-FI" dirty="0">
+                <a:solidFill>
+                  <a:srgbClr val="008080"/>
+                </a:solidFill>
+                <a:latin typeface="Consolas" panose="020B0609020204030204" pitchFamily="49" charset="0"/>
+              </a:rPr>
+              <a:t>&gt;</a:t>
+            </a:r>
+          </a:p>
+          <a:p>
+            <a:r>
+              <a:rPr lang="fi-FI" dirty="0">
+                <a:solidFill>
+                  <a:srgbClr val="000000"/>
+                </a:solidFill>
+                <a:latin typeface="Consolas" panose="020B0609020204030204" pitchFamily="49" charset="0"/>
+              </a:rPr>
+              <a:t>    </a:t>
+            </a:r>
+            <a:r>
+              <a:rPr lang="fi-FI" dirty="0">
+                <a:solidFill>
+                  <a:srgbClr val="008080"/>
+                </a:solidFill>
+                <a:latin typeface="Consolas" panose="020B0609020204030204" pitchFamily="49" charset="0"/>
+              </a:rPr>
+              <a:t>&lt;</a:t>
+            </a:r>
+            <a:r>
+              <a:rPr lang="fi-FI" dirty="0">
+                <a:solidFill>
+                  <a:srgbClr val="3F7F7F"/>
+                </a:solidFill>
+                <a:latin typeface="Consolas" panose="020B0609020204030204" pitchFamily="49" charset="0"/>
+              </a:rPr>
+              <a:t>session-</a:t>
+            </a:r>
+            <a:r>
+              <a:rPr lang="fi-FI" dirty="0" err="1">
+                <a:solidFill>
+                  <a:srgbClr val="3F7F7F"/>
+                </a:solidFill>
+                <a:latin typeface="Consolas" panose="020B0609020204030204" pitchFamily="49" charset="0"/>
+              </a:rPr>
+              <a:t>timeout</a:t>
+            </a:r>
+            <a:r>
+              <a:rPr lang="fi-FI" dirty="0">
+                <a:solidFill>
+                  <a:srgbClr val="008080"/>
+                </a:solidFill>
+                <a:latin typeface="Consolas" panose="020B0609020204030204" pitchFamily="49" charset="0"/>
+              </a:rPr>
+              <a:t>&gt;</a:t>
+            </a:r>
+            <a:r>
+              <a:rPr lang="fi-FI" dirty="0">
+                <a:solidFill>
+                  <a:srgbClr val="000000"/>
+                </a:solidFill>
+                <a:latin typeface="Consolas" panose="020B0609020204030204" pitchFamily="49" charset="0"/>
+              </a:rPr>
+              <a:t>525600</a:t>
+            </a:r>
+            <a:r>
+              <a:rPr lang="fi-FI" dirty="0">
+                <a:solidFill>
+                  <a:srgbClr val="008080"/>
+                </a:solidFill>
+                <a:latin typeface="Consolas" panose="020B0609020204030204" pitchFamily="49" charset="0"/>
+              </a:rPr>
+              <a:t>&lt;/</a:t>
+            </a:r>
+            <a:r>
+              <a:rPr lang="fi-FI" dirty="0">
+                <a:solidFill>
+                  <a:srgbClr val="3F7F7F"/>
+                </a:solidFill>
+                <a:latin typeface="Consolas" panose="020B0609020204030204" pitchFamily="49" charset="0"/>
+              </a:rPr>
+              <a:t>session-</a:t>
+            </a:r>
+            <a:r>
+              <a:rPr lang="fi-FI" dirty="0" err="1">
+                <a:solidFill>
+                  <a:srgbClr val="3F7F7F"/>
+                </a:solidFill>
+                <a:latin typeface="Consolas" panose="020B0609020204030204" pitchFamily="49" charset="0"/>
+              </a:rPr>
+              <a:t>timeout</a:t>
+            </a:r>
+            <a:r>
+              <a:rPr lang="fi-FI" dirty="0">
+                <a:solidFill>
+                  <a:srgbClr val="008080"/>
+                </a:solidFill>
+                <a:latin typeface="Consolas" panose="020B0609020204030204" pitchFamily="49" charset="0"/>
+              </a:rPr>
+              <a:t>&gt;</a:t>
+            </a:r>
+          </a:p>
+          <a:p>
+            <a:r>
+              <a:rPr lang="fi-FI" dirty="0">
+                <a:solidFill>
+                  <a:srgbClr val="000000"/>
+                </a:solidFill>
+                <a:latin typeface="Consolas" panose="020B0609020204030204" pitchFamily="49" charset="0"/>
+              </a:rPr>
+              <a:t>    </a:t>
+            </a:r>
+            <a:r>
+              <a:rPr lang="fi-FI" dirty="0">
+                <a:solidFill>
+                  <a:srgbClr val="008080"/>
+                </a:solidFill>
+                <a:latin typeface="Consolas" panose="020B0609020204030204" pitchFamily="49" charset="0"/>
+              </a:rPr>
+              <a:t>&lt;</a:t>
+            </a:r>
+            <a:r>
+              <a:rPr lang="fi-FI" dirty="0" err="1">
+                <a:solidFill>
+                  <a:srgbClr val="3F7F7F"/>
+                </a:solidFill>
+                <a:latin typeface="Consolas" panose="020B0609020204030204" pitchFamily="49" charset="0"/>
+              </a:rPr>
+              <a:t>cookie-config</a:t>
+            </a:r>
+            <a:r>
+              <a:rPr lang="fi-FI" dirty="0">
+                <a:solidFill>
+                  <a:srgbClr val="008080"/>
+                </a:solidFill>
+                <a:latin typeface="Consolas" panose="020B0609020204030204" pitchFamily="49" charset="0"/>
+              </a:rPr>
+              <a:t>&gt;</a:t>
+            </a:r>
+          </a:p>
+          <a:p>
+            <a:r>
+              <a:rPr lang="fi-FI" dirty="0">
+                <a:solidFill>
+                  <a:srgbClr val="000000"/>
+                </a:solidFill>
+                <a:latin typeface="Consolas" panose="020B0609020204030204" pitchFamily="49" charset="0"/>
+              </a:rPr>
+              <a:t>      </a:t>
+            </a:r>
+            <a:r>
+              <a:rPr lang="fi-FI" dirty="0">
+                <a:solidFill>
+                  <a:srgbClr val="008080"/>
+                </a:solidFill>
+                <a:latin typeface="Consolas" panose="020B0609020204030204" pitchFamily="49" charset="0"/>
+              </a:rPr>
+              <a:t>&lt;</a:t>
+            </a:r>
+            <a:r>
+              <a:rPr lang="fi-FI" dirty="0" err="1">
+                <a:solidFill>
+                  <a:srgbClr val="3F7F7F"/>
+                </a:solidFill>
+                <a:latin typeface="Consolas" panose="020B0609020204030204" pitchFamily="49" charset="0"/>
+              </a:rPr>
+              <a:t>max-age</a:t>
+            </a:r>
+            <a:r>
+              <a:rPr lang="fi-FI" dirty="0">
+                <a:solidFill>
+                  <a:srgbClr val="008080"/>
+                </a:solidFill>
+                <a:latin typeface="Consolas" panose="020B0609020204030204" pitchFamily="49" charset="0"/>
+              </a:rPr>
+              <a:t>&gt;</a:t>
+            </a:r>
+            <a:r>
+              <a:rPr lang="fi-FI" dirty="0">
+                <a:solidFill>
+                  <a:srgbClr val="000000"/>
+                </a:solidFill>
+                <a:latin typeface="Consolas" panose="020B0609020204030204" pitchFamily="49" charset="0"/>
+              </a:rPr>
+              <a:t>31536000</a:t>
+            </a:r>
+            <a:r>
+              <a:rPr lang="fi-FI" dirty="0">
+                <a:solidFill>
+                  <a:srgbClr val="008080"/>
+                </a:solidFill>
+                <a:latin typeface="Consolas" panose="020B0609020204030204" pitchFamily="49" charset="0"/>
+              </a:rPr>
+              <a:t>&lt;/</a:t>
+            </a:r>
+            <a:r>
+              <a:rPr lang="fi-FI" dirty="0" err="1">
+                <a:solidFill>
+                  <a:srgbClr val="3F7F7F"/>
+                </a:solidFill>
+                <a:latin typeface="Consolas" panose="020B0609020204030204" pitchFamily="49" charset="0"/>
+              </a:rPr>
+              <a:t>max-age</a:t>
+            </a:r>
+            <a:r>
+              <a:rPr lang="fi-FI" dirty="0">
+                <a:solidFill>
+                  <a:srgbClr val="008080"/>
+                </a:solidFill>
+                <a:latin typeface="Consolas" panose="020B0609020204030204" pitchFamily="49" charset="0"/>
+              </a:rPr>
+              <a:t>&gt;</a:t>
+            </a:r>
+          </a:p>
+          <a:p>
+            <a:r>
+              <a:rPr lang="fi-FI" dirty="0">
+                <a:solidFill>
+                  <a:srgbClr val="000000"/>
+                </a:solidFill>
+                <a:latin typeface="Consolas" panose="020B0609020204030204" pitchFamily="49" charset="0"/>
+              </a:rPr>
+              <a:t>    </a:t>
+            </a:r>
+            <a:r>
+              <a:rPr lang="fi-FI" dirty="0">
+                <a:solidFill>
+                  <a:srgbClr val="008080"/>
+                </a:solidFill>
+                <a:latin typeface="Consolas" panose="020B0609020204030204" pitchFamily="49" charset="0"/>
+              </a:rPr>
+              <a:t>&lt;/</a:t>
+            </a:r>
+            <a:r>
+              <a:rPr lang="fi-FI" dirty="0" err="1">
+                <a:solidFill>
+                  <a:srgbClr val="3F7F7F"/>
+                </a:solidFill>
+                <a:latin typeface="Consolas" panose="020B0609020204030204" pitchFamily="49" charset="0"/>
+              </a:rPr>
+              <a:t>cookie-config</a:t>
+            </a:r>
+            <a:r>
+              <a:rPr lang="fi-FI" dirty="0">
+                <a:solidFill>
+                  <a:srgbClr val="008080"/>
+                </a:solidFill>
+                <a:latin typeface="Consolas" panose="020B0609020204030204" pitchFamily="49" charset="0"/>
+              </a:rPr>
+              <a:t>&gt;</a:t>
+            </a:r>
+          </a:p>
+          <a:p>
+            <a:r>
+              <a:rPr lang="fi-FI" dirty="0">
+                <a:solidFill>
+                  <a:srgbClr val="000000"/>
+                </a:solidFill>
+                <a:latin typeface="Consolas" panose="020B0609020204030204" pitchFamily="49" charset="0"/>
+              </a:rPr>
+              <a:t>  </a:t>
+            </a:r>
+            <a:r>
+              <a:rPr lang="fi-FI" dirty="0">
+                <a:solidFill>
+                  <a:srgbClr val="008080"/>
+                </a:solidFill>
+                <a:latin typeface="Consolas" panose="020B0609020204030204" pitchFamily="49" charset="0"/>
+              </a:rPr>
+              <a:t>&lt;/</a:t>
+            </a:r>
+            <a:r>
+              <a:rPr lang="fi-FI" dirty="0">
+                <a:solidFill>
+                  <a:srgbClr val="3F7F7F"/>
+                </a:solidFill>
+                <a:latin typeface="Consolas" panose="020B0609020204030204" pitchFamily="49" charset="0"/>
+              </a:rPr>
+              <a:t>session-</a:t>
+            </a:r>
+            <a:r>
+              <a:rPr lang="fi-FI" dirty="0" err="1">
+                <a:solidFill>
+                  <a:srgbClr val="3F7F7F"/>
+                </a:solidFill>
+                <a:latin typeface="Consolas" panose="020B0609020204030204" pitchFamily="49" charset="0"/>
+              </a:rPr>
+              <a:t>config</a:t>
+            </a:r>
+            <a:r>
+              <a:rPr lang="fi-FI" dirty="0">
+                <a:solidFill>
+                  <a:srgbClr val="008080"/>
+                </a:solidFill>
+                <a:latin typeface="Consolas" panose="020B0609020204030204" pitchFamily="49" charset="0"/>
+              </a:rPr>
+              <a:t>&gt;</a:t>
+            </a:r>
+            <a:endParaRPr lang="fi-FI" dirty="0"/>
+          </a:p>
+        </p:txBody>
+      </p:sp>
+    </p:spTree>
+    <p:extLst>
+      <p:ext uri="{BB962C8B-B14F-4D97-AF65-F5344CB8AC3E}">
+        <p14:creationId xmlns:p14="http://schemas.microsoft.com/office/powerpoint/2010/main" val="4125372185"/>
+      </p:ext>
+    </p:extLst>
+  </p:cSld>
+  <p:clrMapOvr>
+    <a:masterClrMapping/>
+  </p:clrMapOvr>
+</p:sld>
+</file>
+
+<file path=ppt/slides/slide15.xml><?xml version="1.0" encoding="utf-8"?>
+<p:sld xmlns:a="http://schemas.openxmlformats.org/drawingml/2006/main" xmlns:r="http://schemas.openxmlformats.org/officeDocument/2006/relationships" xmlns:p="http://schemas.openxmlformats.org/presentationml/2006/main">
+  <p:cSld>
+    <p:spTree>
+      <p:nvGrpSpPr>
+        <p:cNvPr id="1" name=""/>
+        <p:cNvGrpSpPr/>
+        <p:nvPr/>
+      </p:nvGrpSpPr>
+      <p:grpSpPr>
+        <a:xfrm>
+          <a:off x="0" y="0"/>
+          <a:ext cx="0" cy="0"/>
+          <a:chOff x="0" y="0"/>
+          <a:chExt cx="0" cy="0"/>
+        </a:xfrm>
+      </p:grpSpPr>
+      <p:pic>
+        <p:nvPicPr>
+          <p:cNvPr id="2" name="Picture 1"/>
+          <p:cNvPicPr>
+            <a:picLocks noChangeAspect="1"/>
+          </p:cNvPicPr>
+          <p:nvPr/>
+        </p:nvPicPr>
+        <p:blipFill>
+          <a:blip r:embed="rId2"/>
+          <a:stretch>
+            <a:fillRect/>
+          </a:stretch>
+        </p:blipFill>
+        <p:spPr>
+          <a:xfrm>
+            <a:off x="1709737" y="723900"/>
+            <a:ext cx="8772525" cy="5410200"/>
+          </a:xfrm>
+          <a:prstGeom prst="rect">
+            <a:avLst/>
+          </a:prstGeom>
+        </p:spPr>
+      </p:pic>
+    </p:spTree>
+    <p:extLst>
+      <p:ext uri="{BB962C8B-B14F-4D97-AF65-F5344CB8AC3E}">
+        <p14:creationId xmlns:p14="http://schemas.microsoft.com/office/powerpoint/2010/main" val="536653361"/>
+      </p:ext>
+    </p:extLst>
+  </p:cSld>
+  <p:clrMapOvr>
+    <a:masterClrMapping/>
+  </p:clrMapOvr>
+</p:sld>
+</file>
+
+<file path=ppt/slides/slide16.xml><?xml version="1.0" encoding="utf-8"?>
+<p:sld xmlns:a="http://schemas.openxmlformats.org/drawingml/2006/main" xmlns:r="http://schemas.openxmlformats.org/officeDocument/2006/relationships" xmlns:p="http://schemas.openxmlformats.org/presentationml/2006/main">
+  <p:cSld>
+    <p:spTree>
+      <p:nvGrpSpPr>
+        <p:cNvPr id="1" name=""/>
+        <p:cNvGrpSpPr/>
+        <p:nvPr/>
+      </p:nvGrpSpPr>
+      <p:grpSpPr>
+        <a:xfrm>
+          <a:off x="0" y="0"/>
+          <a:ext cx="0" cy="0"/>
+          <a:chOff x="0" y="0"/>
+          <a:chExt cx="0" cy="0"/>
+        </a:xfrm>
+      </p:grpSpPr>
+      <p:sp>
+        <p:nvSpPr>
           <p:cNvPr id="2" name="Slide Number Placeholder 1"/>
           <p:cNvSpPr>
             <a:spLocks noGrp="1"/>
@@ -4262,7 +5638,7 @@
           <a:p>
             <a:fld id="{90EBF9F4-0EE0-4931-9E07-649BEBDB1AE0}" type="slidenum">
               <a:rPr lang="en-US" smtClean="0"/>
-              <a:t>13</a:t>
+              <a:t>16</a:t>
             </a:fld>
             <a:endParaRPr lang="en-US"/>
           </a:p>
@@ -4395,7 +5771,7 @@
 </p:sld>
 </file>
 
-<file path=ppt/slides/slide14.xml><?xml version="1.0" encoding="utf-8"?>
+<file path=ppt/slides/slide17.xml><?xml version="1.0" encoding="utf-8"?>
 <p:sld xmlns:a="http://schemas.openxmlformats.org/drawingml/2006/main" xmlns:r="http://schemas.openxmlformats.org/officeDocument/2006/relationships" xmlns:p="http://schemas.openxmlformats.org/presentationml/2006/main">
   <p:cSld>
     <p:spTree>
@@ -4429,7 +5805,7 @@
           <a:p>
             <a:fld id="{90EBF9F4-0EE0-4931-9E07-649BEBDB1AE0}" type="slidenum">
               <a:rPr lang="en-US" smtClean="0"/>
-              <a:t>14</a:t>
+              <a:t>17</a:t>
             </a:fld>
             <a:endParaRPr lang="en-US"/>
           </a:p>
@@ -6075,6 +7451,60 @@
           <a:chExt cx="0" cy="0"/>
         </a:xfrm>
       </p:grpSpPr>
+      <p:pic>
+        <p:nvPicPr>
+          <p:cNvPr id="5" name="Picture 4"/>
+          <p:cNvPicPr>
+            <a:picLocks noChangeAspect="1"/>
+          </p:cNvPicPr>
+          <p:nvPr/>
+        </p:nvPicPr>
+        <p:blipFill>
+          <a:blip r:embed="rId2"/>
+          <a:stretch>
+            <a:fillRect/>
+          </a:stretch>
+        </p:blipFill>
+        <p:spPr>
+          <a:xfrm>
+            <a:off x="2405062" y="709612"/>
+            <a:ext cx="7381875" cy="5438775"/>
+          </a:xfrm>
+          <a:prstGeom prst="rect">
+            <a:avLst/>
+          </a:prstGeom>
+        </p:spPr>
+      </p:pic>
+    </p:spTree>
+    <p:extLst>
+      <p:ext uri="{BB962C8B-B14F-4D97-AF65-F5344CB8AC3E}">
+        <p14:creationId xmlns:p14="http://schemas.microsoft.com/office/powerpoint/2010/main" val="2768131771"/>
+      </p:ext>
+    </p:extLst>
+  </p:cSld>
+  <p:clrMapOvr>
+    <a:masterClrMapping/>
+  </p:clrMapOvr>
+</p:sld>
+</file>
+
+<file path=ppt/slides/slide6.xml><?xml version="1.0" encoding="utf-8"?>
+<p:sld xmlns:a="http://schemas.openxmlformats.org/drawingml/2006/main" xmlns:r="http://schemas.openxmlformats.org/officeDocument/2006/relationships" xmlns:p="http://schemas.openxmlformats.org/presentationml/2006/main">
+  <p:cSld>
+    <p:spTree>
+      <p:nvGrpSpPr>
+        <p:cNvPr id="1" name=""/>
+        <p:cNvGrpSpPr/>
+        <p:nvPr/>
+      </p:nvGrpSpPr>
+      <p:grpSpPr>
+        <a:xfrm>
+          <a:off x="0" y="0"/>
+          <a:ext cx="0" cy="0"/>
+          <a:chOff x="0" y="0"/>
+          <a:chExt cx="0" cy="0"/>
+        </a:xfrm>
+      </p:grpSpPr>
       <p:sp>
         <p:nvSpPr>
           <p:cNvPr id="4" name="Slide Number Placeholder 3"/>
@@ -6092,7 +7522,7 @@
           <a:p>
             <a:fld id="{90EBF9F4-0EE0-4931-9E07-649BEBDB1AE0}" type="slidenum">
               <a:rPr lang="en-US" smtClean="0"/>
-              <a:t>5</a:t>
+              <a:t>6</a:t>
             </a:fld>
             <a:endParaRPr lang="en-US"/>
           </a:p>
@@ -6285,7 +7715,7 @@
 </p:sld>
 </file>
 
-<file path=ppt/slides/slide6.xml><?xml version="1.0" encoding="utf-8"?>
+<file path=ppt/slides/slide7.xml><?xml version="1.0" encoding="utf-8"?>
 <p:sld xmlns:a="http://schemas.openxmlformats.org/drawingml/2006/main" xmlns:r="http://schemas.openxmlformats.org/officeDocument/2006/relationships" xmlns:p="http://schemas.openxmlformats.org/presentationml/2006/main">
   <p:cSld>
     <p:spTree>
@@ -6319,7 +7749,7 @@
           <a:p>
             <a:fld id="{90EBF9F4-0EE0-4931-9E07-649BEBDB1AE0}" type="slidenum">
               <a:rPr lang="en-US" smtClean="0"/>
-              <a:t>6</a:t>
+              <a:t>7</a:t>
             </a:fld>
             <a:endParaRPr lang="en-US"/>
           </a:p>
@@ -6362,7 +7792,7 @@
 </p:sld>
 </file>
 
-<file path=ppt/slides/slide7.xml><?xml version="1.0" encoding="utf-8"?>
+<file path=ppt/slides/slide8.xml><?xml version="1.0" encoding="utf-8"?>
 <p:sld xmlns:a="http://schemas.openxmlformats.org/drawingml/2006/main" xmlns:r="http://schemas.openxmlformats.org/officeDocument/2006/relationships" xmlns:p="http://schemas.openxmlformats.org/presentationml/2006/main">
   <p:cSld>
     <p:spTree>
@@ -6396,7 +7826,7 @@
           <a:p>
             <a:fld id="{90EBF9F4-0EE0-4931-9E07-649BEBDB1AE0}" type="slidenum">
               <a:rPr lang="en-US" smtClean="0"/>
-              <a:t>7</a:t>
+              <a:t>8</a:t>
             </a:fld>
             <a:endParaRPr lang="en-US"/>
           </a:p>
@@ -6488,108 +7918,6 @@
 </p:sld>
 </file>
 
-<file path=ppt/slides/slide8.xml><?xml version="1.0" encoding="utf-8"?>
-<p:sld xmlns:a="http://schemas.openxmlformats.org/drawingml/2006/main" xmlns:r="http://schemas.openxmlformats.org/officeDocument/2006/relationships" xmlns:p="http://schemas.openxmlformats.org/presentationml/2006/main">
-  <p:cSld>
-    <p:spTree>
-      <p:nvGrpSpPr>
-        <p:cNvPr id="1" name=""/>
-        <p:cNvGrpSpPr/>
-        <p:nvPr/>
-      </p:nvGrpSpPr>
-      <p:grpSpPr>
-        <a:xfrm>
-          <a:off x="0" y="0"/>
-          <a:ext cx="0" cy="0"/>
-          <a:chOff x="0" y="0"/>
-          <a:chExt cx="0" cy="0"/>
-        </a:xfrm>
-      </p:grpSpPr>
-      <p:sp>
-        <p:nvSpPr>
-          <p:cNvPr id="8" name="Rectangle 7"/>
-          <p:cNvSpPr/>
-          <p:nvPr/>
-        </p:nvSpPr>
-        <p:spPr>
-          <a:xfrm>
-            <a:off x="712304" y="440637"/>
-            <a:ext cx="6096000" cy="4247317"/>
-          </a:xfrm>
-          <a:prstGeom prst="rect">
-            <a:avLst/>
-          </a:prstGeom>
-        </p:spPr>
-        <p:txBody>
-          <a:bodyPr>
-            <a:spAutoFit/>
-          </a:bodyPr>
-          <a:lstStyle/>
-          <a:p>
-            <a:r>
-              <a:rPr lang="fi-FI" dirty="0" err="1"/>
-              <a:t>cert</a:t>
-            </a:r>
-            <a:r>
-              <a:rPr lang="fi-FI" dirty="0"/>
-              <a:t> </a:t>
-            </a:r>
-            <a:r>
-              <a:rPr lang="fi-FI" dirty="0" err="1"/>
-              <a:t>public</a:t>
-            </a:r>
-            <a:r>
-              <a:rPr lang="fi-FI" dirty="0"/>
-              <a:t> exp:65537</a:t>
-            </a:r>
-          </a:p>
-          <a:p>
-            <a:r>
-              <a:rPr lang="fi-FI" dirty="0" err="1"/>
-              <a:t>cert</a:t>
-            </a:r>
-            <a:r>
-              <a:rPr lang="fi-FI" dirty="0"/>
-              <a:t> </a:t>
-            </a:r>
-            <a:r>
-              <a:rPr lang="fi-FI" dirty="0" err="1"/>
-              <a:t>public</a:t>
-            </a:r>
-            <a:r>
-              <a:rPr lang="fi-FI" dirty="0"/>
-              <a:t> </a:t>
-            </a:r>
-            <a:r>
-              <a:rPr lang="fi-FI" dirty="0" err="1"/>
-              <a:t>mod</a:t>
-            </a:r>
-            <a:r>
-              <a:rPr lang="fi-FI" dirty="0"/>
-              <a:t>:</a:t>
-            </a:r>
-          </a:p>
-          <a:p>
-            <a:r>
-              <a:rPr lang="fi-FI" dirty="0"/>
-              <a:t>24011186167571257354622530793640923500460778119344214049852814597359393395205425384626096565183432151670496122792748680262053787291038548066606309353067902661201998524775320969590654111920436651793753940699646105301248424866191659055907914045782009562459969949987446646307196822670259418398894796427183515678097169075280850924980693147054842234364602641411661667329092765433619533566070708054269174331838628590663718633485201645962153182129624474354669996793162237075959268416497083104534193804507758771913331687886898974522734958943311456072458630509955767529020144929034602224663665936356818286777379071164687000961</a:t>
-            </a:r>
-          </a:p>
-        </p:txBody>
-      </p:sp>
-    </p:spTree>
-    <p:extLst>
-      <p:ext uri="{BB962C8B-B14F-4D97-AF65-F5344CB8AC3E}">
-        <p14:creationId xmlns:p14="http://schemas.microsoft.com/office/powerpoint/2010/main" val="374108084"/>
-      </p:ext>
-    </p:extLst>
-  </p:cSld>
-  <p:clrMapOvr>
-    <a:masterClrMapping/>
-  </p:clrMapOvr>
-</p:sld>
-</file>
-
 <file path=ppt/slides/slide9.xml><?xml version="1.0" encoding="utf-8"?>
 <p:sld xmlns:a="http://schemas.openxmlformats.org/drawingml/2006/main" xmlns:r="http://schemas.openxmlformats.org/officeDocument/2006/relationships" xmlns:p="http://schemas.openxmlformats.org/presentationml/2006/main">
   <p:cSld>
@@ -6615,7 +7943,7 @@
         </p:nvSpPr>
         <p:spPr>
           <a:xfrm>
-            <a:off x="155713" y="271672"/>
+            <a:off x="712304" y="440637"/>
             <a:ext cx="6096000" cy="4247317"/>
           </a:xfrm>
           <a:prstGeom prst="rect">
@@ -6674,219 +8002,7 @@
           <a:p>
             <a:r>
               <a:rPr lang="fi-FI" dirty="0"/>
-              <a:t>24011186167571257354622530793640923500460778119344214049852814597359393395205425384626096565183432151670496122792748680262053787291038548066606309353067902661201998524775320969590654111920436651793753940699646105301248424866180659055907914045782009562459969949987446646307196822670259418398894796427183515678097169075280850924980693147054842234364602641411661667329092765433619533566070708054269174331838628590663718433475201645962153182129624384354669996793162237075959268416497083104534193804507758771913331687886898974522734958943311456072458630509955767529020144929034602224663665936356818286777379071164687000961</a:t>
-            </a:r>
-          </a:p>
-        </p:txBody>
-      </p:sp>
-      <p:sp>
-        <p:nvSpPr>
-          <p:cNvPr id="2" name="Rectangle 1"/>
-          <p:cNvSpPr/>
-          <p:nvPr/>
-        </p:nvSpPr>
-        <p:spPr>
-          <a:xfrm>
-            <a:off x="6665844" y="3248873"/>
-            <a:ext cx="5290930" cy="2862322"/>
-          </a:xfrm>
-          <a:prstGeom prst="rect">
-            <a:avLst/>
-          </a:prstGeom>
-        </p:spPr>
-        <p:txBody>
-          <a:bodyPr wrap="square">
-            <a:spAutoFit/>
-          </a:bodyPr>
-          <a:lstStyle/>
-          <a:p>
-            <a:r>
-              <a:rPr lang="fi-FI" dirty="0"/>
-              <a:t>PREFIX </a:t>
-            </a:r>
-            <a:r>
-              <a:rPr lang="fi-FI" dirty="0" err="1"/>
-              <a:t>cert</a:t>
-            </a:r>
-            <a:r>
-              <a:rPr lang="fi-FI" dirty="0"/>
-              <a:t>: &lt;http://www.w3.org/ns/auth/cert#&gt;</a:t>
-            </a:r>
-          </a:p>
-          <a:p>
-            <a:r>
-              <a:rPr lang="fi-FI" dirty="0"/>
-              <a:t>PREFIX </a:t>
-            </a:r>
-            <a:r>
-              <a:rPr lang="fi-FI" dirty="0" err="1"/>
-              <a:t>rsa</a:t>
-            </a:r>
-            <a:r>
-              <a:rPr lang="fi-FI" dirty="0"/>
-              <a:t>: &lt;http://www.w3.org/ns/auth/rsa#&gt;</a:t>
-            </a:r>
-          </a:p>
-          <a:p>
-            <a:r>
-              <a:rPr lang="fi-FI" dirty="0"/>
-              <a:t>SELECT ?m ?e ?</a:t>
-            </a:r>
-            <a:r>
-              <a:rPr lang="fi-FI" dirty="0" err="1"/>
-              <a:t>mod</a:t>
-            </a:r>
-            <a:r>
-              <a:rPr lang="fi-FI" dirty="0"/>
-              <a:t> ?</a:t>
-            </a:r>
-            <a:r>
-              <a:rPr lang="fi-FI" dirty="0" err="1"/>
-              <a:t>exp</a:t>
-            </a:r>
-            <a:r>
-              <a:rPr lang="fi-FI" dirty="0"/>
-              <a:t> FROM &lt;https://jyrkio2.databox.me/profile/card&gt;</a:t>
-            </a:r>
-          </a:p>
-          <a:p>
-            <a:r>
-              <a:rPr lang="fi-FI" dirty="0"/>
-              <a:t>WHERE {  { ?</a:t>
-            </a:r>
-            <a:r>
-              <a:rPr lang="fi-FI" dirty="0" err="1"/>
-              <a:t>key</a:t>
-            </a:r>
-            <a:r>
-              <a:rPr lang="fi-FI" dirty="0"/>
-              <a:t> </a:t>
-            </a:r>
-            <a:r>
-              <a:rPr lang="fi-FI" dirty="0" err="1"/>
-              <a:t>cert:identity</a:t>
-            </a:r>
-            <a:r>
-              <a:rPr lang="fi-FI" dirty="0"/>
-              <a:t> ?</a:t>
-            </a:r>
-            <a:r>
-              <a:rPr lang="fi-FI" dirty="0" err="1"/>
-              <a:t>agent</a:t>
-            </a:r>
-            <a:r>
-              <a:rPr lang="fi-FI" dirty="0"/>
-              <a:t> }  </a:t>
-            </a:r>
-          </a:p>
-          <a:p>
-            <a:r>
-              <a:rPr lang="fi-FI" dirty="0"/>
-              <a:t>	UNION  { ?</a:t>
-            </a:r>
-            <a:r>
-              <a:rPr lang="fi-FI" dirty="0" err="1"/>
-              <a:t>agent</a:t>
-            </a:r>
-            <a:r>
-              <a:rPr lang="fi-FI" dirty="0"/>
-              <a:t> </a:t>
-            </a:r>
-            <a:r>
-              <a:rPr lang="fi-FI" dirty="0" err="1"/>
-              <a:t>cert:key</a:t>
-            </a:r>
-            <a:r>
-              <a:rPr lang="fi-FI" dirty="0"/>
-              <a:t> ?</a:t>
-            </a:r>
-            <a:r>
-              <a:rPr lang="fi-FI" dirty="0" err="1"/>
-              <a:t>key</a:t>
-            </a:r>
-            <a:r>
-              <a:rPr lang="fi-FI" dirty="0"/>
-              <a:t> } </a:t>
-            </a:r>
-          </a:p>
-          <a:p>
-            <a:r>
-              <a:rPr lang="fi-FI" dirty="0"/>
-              <a:t>	 ?</a:t>
-            </a:r>
-            <a:r>
-              <a:rPr lang="fi-FI" dirty="0" err="1"/>
-              <a:t>key</a:t>
-            </a:r>
-            <a:r>
-              <a:rPr lang="fi-FI" dirty="0"/>
-              <a:t> </a:t>
-            </a:r>
-            <a:r>
-              <a:rPr lang="fi-FI" dirty="0" err="1"/>
-              <a:t>cert:modulus</a:t>
-            </a:r>
-            <a:r>
-              <a:rPr lang="fi-FI" dirty="0"/>
-              <a:t> ?m ;       </a:t>
-            </a:r>
-          </a:p>
-          <a:p>
-            <a:r>
-              <a:rPr lang="fi-FI" dirty="0"/>
-              <a:t>		</a:t>
-            </a:r>
-            <a:r>
-              <a:rPr lang="fi-FI" dirty="0" err="1"/>
-              <a:t>cert:exponent</a:t>
-            </a:r>
-            <a:r>
-              <a:rPr lang="fi-FI" dirty="0"/>
-              <a:t> ?e .   </a:t>
-            </a:r>
-          </a:p>
-          <a:p>
-            <a:r>
-              <a:rPr lang="fi-FI" dirty="0"/>
-              <a:t>	OPTIONAL { ?m </a:t>
-            </a:r>
-            <a:r>
-              <a:rPr lang="fi-FI" dirty="0" err="1"/>
-              <a:t>cert:hex</a:t>
-            </a:r>
-            <a:r>
-              <a:rPr lang="fi-FI" dirty="0"/>
-              <a:t> ?</a:t>
-            </a:r>
-            <a:r>
-              <a:rPr lang="fi-FI" dirty="0" err="1"/>
-              <a:t>mod</a:t>
-            </a:r>
-            <a:r>
-              <a:rPr lang="fi-FI" dirty="0"/>
-              <a:t> . }   </a:t>
-            </a:r>
-          </a:p>
-          <a:p>
-            <a:r>
-              <a:rPr lang="fi-FI" dirty="0"/>
-              <a:t>	OPTIONAL { ?e </a:t>
-            </a:r>
-            <a:r>
-              <a:rPr lang="fi-FI" dirty="0" err="1"/>
-              <a:t>cert:decimal</a:t>
-            </a:r>
-            <a:r>
-              <a:rPr lang="fi-FI" dirty="0"/>
-              <a:t> ?</a:t>
-            </a:r>
-            <a:r>
-              <a:rPr lang="fi-FI" dirty="0" err="1"/>
-              <a:t>exp</a:t>
-            </a:r>
-            <a:r>
-              <a:rPr lang="fi-FI" dirty="0"/>
-              <a:t> . }}</a:t>
+              <a:t>24011186167571257354622530793640923500460778119344214049852814597359393395205425384626096565183432151670496122792748680262053787291038548066606309353067902661201998524775320969590654111920436651793753940699646105301248424866191659055907914045782009562459969949987446646307196822670259418398894796427183515678097169075280850924980693147054842234364602641411661667329092765433619533566070708054269174331838628590663718633485201645962153182129624474354669996793162237075959268416497083104534193804507758771913331687886898974522734958943311456072458630509955767529020144929034602224663665936356818286777379071164687000961</a:t>
             </a:r>
           </a:p>
         </p:txBody>
@@ -6894,7 +8010,7 @@
     </p:spTree>
     <p:extLst>
       <p:ext uri="{BB962C8B-B14F-4D97-AF65-F5344CB8AC3E}">
-        <p14:creationId xmlns:p14="http://schemas.microsoft.com/office/powerpoint/2010/main" val="230852291"/>
+        <p14:creationId xmlns:p14="http://schemas.microsoft.com/office/powerpoint/2010/main" val="374108084"/>
       </p:ext>
     </p:extLst>
   </p:cSld>
